--- a/lecture-notes/raspberrypi-analog-sensor-yl40.pptx
+++ b/lecture-notes/raspberrypi-analog-sensor-yl40.pptx
@@ -5261,7 +5261,19 @@
             </a:pPr>
             <a:r>
               <a:rPr lang="ko" dirty="0"/>
-              <a:t>Longer leg of Vibration Sensor to RPi 3V3</a:t>
+              <a:t>Longer leg of </a:t>
+            </a:r>
+            <a:r>
+              <a:rPr lang="en-US" altLang="ko"/>
+              <a:t>IR</a:t>
+            </a:r>
+            <a:r>
+              <a:rPr lang="ko"/>
+              <a:t> </a:t>
+            </a:r>
+            <a:r>
+              <a:rPr lang="ko" dirty="0"/>
+              <a:t>Sensor to RPi 3V3</a:t>
             </a:r>
           </a:p>
           <a:p>
@@ -7444,7 +7456,7 @@
             </a:pPr>
             <a:r>
               <a:rPr lang="ko" dirty="0"/>
-              <a:t>Enable I2C in raspi-config and reboot</a:t>
+              <a:t>Enable I2C in raspi-config</a:t>
             </a:r>
           </a:p>
           <a:p>
@@ -7709,21 +7721,6 @@
             </a:pPr>
             <a:r>
               <a:rPr lang="ko" dirty="0"/>
-              <a:t>Enable I2C in raspi-config and reboot</a:t>
-            </a:r>
-          </a:p>
-          <a:p>
-            <a:pPr marL="457200" lvl="0" indent="-342900" rtl="0">
-              <a:spcBef>
-                <a:spcPts val="0"/>
-              </a:spcBef>
-              <a:spcAft>
-                <a:spcPts val="0"/>
-              </a:spcAft>
-              <a:buSzPct val="100000"/>
-            </a:pPr>
-            <a:r>
-              <a:rPr lang="ko" dirty="0"/>
               <a:t>Check if the I2C kernel module is loaded</a:t>
             </a:r>
           </a:p>
@@ -7816,7 +7813,7 @@
         </p:blipFill>
         <p:spPr>
           <a:xfrm>
-            <a:off x="3366076" y="2602601"/>
+            <a:off x="2847975" y="2351748"/>
             <a:ext cx="6296025" cy="3981450"/>
           </a:xfrm>
           <a:prstGeom prst="rect">
